--- a/documents/starfieldposter.pptx
+++ b/documents/starfieldposter.pptx
@@ -34,7 +34,7 @@
       </p:grpSpPr>
       <p:sp>
         <p:nvSpPr>
-          <p:cNvPr id="42" name="PlaceHolder 1"/>
+          <p:cNvPr id="44" name="PlaceHolder 1"/>
           <p:cNvSpPr>
             <a:spLocks noGrp="1"/>
           </p:cNvSpPr>
@@ -84,7 +84,7 @@
       </p:sp>
       <p:sp>
         <p:nvSpPr>
-          <p:cNvPr id="43" name="PlaceHolder 2"/>
+          <p:cNvPr id="45" name="PlaceHolder 2"/>
           <p:cNvSpPr>
             <a:spLocks noGrp="1"/>
           </p:cNvSpPr>
@@ -134,7 +134,7 @@
       </p:sp>
       <p:sp>
         <p:nvSpPr>
-          <p:cNvPr id="44" name="PlaceHolder 3"/>
+          <p:cNvPr id="46" name="PlaceHolder 3"/>
           <p:cNvSpPr>
             <a:spLocks noGrp="1"/>
           </p:cNvSpPr>
@@ -185,7 +185,7 @@
       </p:sp>
       <p:sp>
         <p:nvSpPr>
-          <p:cNvPr id="45" name="PlaceHolder 4"/>
+          <p:cNvPr id="47" name="PlaceHolder 4"/>
           <p:cNvSpPr>
             <a:spLocks noGrp="1"/>
           </p:cNvSpPr>
@@ -235,7 +235,7 @@
       </p:sp>
       <p:sp>
         <p:nvSpPr>
-          <p:cNvPr id="46" name="PlaceHolder 5"/>
+          <p:cNvPr id="48" name="PlaceHolder 5"/>
           <p:cNvSpPr>
             <a:spLocks noGrp="1"/>
           </p:cNvSpPr>
@@ -256,7 +256,7 @@
           <a:bodyPr lIns="0" rIns="0" tIns="0" bIns="0" anchor="b"/>
           <a:p>
             <a:pPr algn="r"/>
-            <a:fld id="{773AC1EF-D321-43F8-B815-E211032D62DE}" type="slidenum">
+            <a:fld id="{79E4CCC4-24BF-49B7-B781-99EBDEBA84F6}" type="slidenum">
               <a:rPr b="0" lang="en-US" sz="1400" spc="-1" strike="noStrike">
                 <a:solidFill>
                   <a:srgbClr val="000000"/>
@@ -309,7 +309,7 @@
       </p:grpSpPr>
       <p:sp>
         <p:nvSpPr>
-          <p:cNvPr id="76" name="PlaceHolder 1"/>
+          <p:cNvPr id="78" name="PlaceHolder 1"/>
           <p:cNvSpPr>
             <a:spLocks noGrp="1"/>
           </p:cNvSpPr>
@@ -320,7 +320,7 @@
         <p:spPr>
           <a:xfrm>
             <a:off x="698400" y="4409640"/>
-            <a:ext cx="5585760" cy="4175640"/>
+            <a:ext cx="5585400" cy="4175280"/>
           </a:xfrm>
           <a:prstGeom prst="rect">
             <a:avLst/>
@@ -347,14 +347,14 @@
       </p:sp>
       <p:sp>
         <p:nvSpPr>
-          <p:cNvPr id="77" name="CustomShape 2"/>
+          <p:cNvPr id="79" name="CustomShape 2"/>
           <p:cNvSpPr/>
           <p:nvPr/>
         </p:nvSpPr>
         <p:spPr>
           <a:xfrm>
             <a:off x="3956400" y="8817840"/>
-            <a:ext cx="3024720" cy="461880"/>
+            <a:ext cx="3024360" cy="461520"/>
           </a:xfrm>
           <a:prstGeom prst="rect">
             <a:avLst/>
@@ -378,7 +378,7 @@
                 <a:spcPct val="100000"/>
               </a:lnSpc>
             </a:pPr>
-            <a:fld id="{CFD50466-7A33-4C96-B2F0-55672A7AC747}" type="slidenum">
+            <a:fld id="{4A97DC62-75D5-40E4-812C-387473A6BABC}" type="slidenum">
               <a:rPr b="0" lang="en-US" sz="1200" spc="-1" strike="noStrike">
                 <a:solidFill>
                   <a:srgbClr val="000000"/>
@@ -409,14 +409,14 @@
       </p:sp>
       <p:sp>
         <p:nvSpPr>
-          <p:cNvPr id="78" name="CustomShape 3"/>
+          <p:cNvPr id="80" name="CustomShape 3"/>
           <p:cNvSpPr/>
           <p:nvPr/>
         </p:nvSpPr>
         <p:spPr>
           <a:xfrm>
             <a:off x="3956400" y="0"/>
-            <a:ext cx="3024720" cy="461880"/>
+            <a:ext cx="3024360" cy="461520"/>
           </a:xfrm>
           <a:prstGeom prst="rect">
             <a:avLst/>
@@ -471,14 +471,14 @@
       </p:sp>
       <p:sp>
         <p:nvSpPr>
-          <p:cNvPr id="79" name="CustomShape 4"/>
+          <p:cNvPr id="81" name="CustomShape 4"/>
           <p:cNvSpPr/>
           <p:nvPr/>
         </p:nvSpPr>
         <p:spPr>
           <a:xfrm>
             <a:off x="0" y="8817840"/>
-            <a:ext cx="3024720" cy="461880"/>
+            <a:ext cx="3024360" cy="461520"/>
           </a:xfrm>
           <a:prstGeom prst="rect">
             <a:avLst/>
@@ -533,14 +533,14 @@
       </p:sp>
       <p:sp>
         <p:nvSpPr>
-          <p:cNvPr id="80" name="CustomShape 5"/>
+          <p:cNvPr id="82" name="CustomShape 5"/>
           <p:cNvSpPr/>
           <p:nvPr/>
         </p:nvSpPr>
         <p:spPr>
           <a:xfrm>
             <a:off x="0" y="0"/>
-            <a:ext cx="3024720" cy="461880"/>
+            <a:ext cx="3024360" cy="461520"/>
           </a:xfrm>
           <a:prstGeom prst="rect">
             <a:avLst/>
@@ -639,7 +639,7 @@
       </p:grpSpPr>
       <p:sp>
         <p:nvSpPr>
-          <p:cNvPr id="29" name="PlaceHolder 1"/>
+          <p:cNvPr id="31" name="PlaceHolder 1"/>
           <p:cNvSpPr>
             <a:spLocks noGrp="1"/>
           </p:cNvSpPr>
@@ -676,7 +676,7 @@
       </p:sp>
       <p:sp>
         <p:nvSpPr>
-          <p:cNvPr id="30" name="PlaceHolder 2"/>
+          <p:cNvPr id="32" name="PlaceHolder 2"/>
           <p:cNvSpPr>
             <a:spLocks noGrp="1"/>
           </p:cNvSpPr>
@@ -714,7 +714,7 @@
       </p:sp>
       <p:sp>
         <p:nvSpPr>
-          <p:cNvPr id="31" name="PlaceHolder 3"/>
+          <p:cNvPr id="33" name="PlaceHolder 3"/>
           <p:cNvSpPr>
             <a:spLocks noGrp="1"/>
           </p:cNvSpPr>
@@ -774,7 +774,7 @@
       </p:grpSpPr>
       <p:sp>
         <p:nvSpPr>
-          <p:cNvPr id="32" name="PlaceHolder 1"/>
+          <p:cNvPr id="34" name="PlaceHolder 1"/>
           <p:cNvSpPr>
             <a:spLocks noGrp="1"/>
           </p:cNvSpPr>
@@ -811,7 +811,7 @@
       </p:sp>
       <p:sp>
         <p:nvSpPr>
-          <p:cNvPr id="33" name="PlaceHolder 2"/>
+          <p:cNvPr id="35" name="PlaceHolder 2"/>
           <p:cNvSpPr>
             <a:spLocks noGrp="1"/>
           </p:cNvSpPr>
@@ -849,7 +849,7 @@
       </p:sp>
       <p:sp>
         <p:nvSpPr>
-          <p:cNvPr id="34" name="PlaceHolder 3"/>
+          <p:cNvPr id="36" name="PlaceHolder 3"/>
           <p:cNvSpPr>
             <a:spLocks noGrp="1"/>
           </p:cNvSpPr>
@@ -887,7 +887,7 @@
       </p:sp>
       <p:sp>
         <p:nvSpPr>
-          <p:cNvPr id="35" name="PlaceHolder 4"/>
+          <p:cNvPr id="37" name="PlaceHolder 4"/>
           <p:cNvSpPr>
             <a:spLocks noGrp="1"/>
           </p:cNvSpPr>
@@ -925,7 +925,7 @@
       </p:sp>
       <p:sp>
         <p:nvSpPr>
-          <p:cNvPr id="36" name="PlaceHolder 5"/>
+          <p:cNvPr id="38" name="PlaceHolder 5"/>
           <p:cNvSpPr>
             <a:spLocks noGrp="1"/>
           </p:cNvSpPr>
@@ -985,7 +985,7 @@
       </p:grpSpPr>
       <p:sp>
         <p:nvSpPr>
-          <p:cNvPr id="37" name="PlaceHolder 1"/>
+          <p:cNvPr id="39" name="PlaceHolder 1"/>
           <p:cNvSpPr>
             <a:spLocks noGrp="1"/>
           </p:cNvSpPr>
@@ -1022,7 +1022,7 @@
       </p:sp>
       <p:sp>
         <p:nvSpPr>
-          <p:cNvPr id="38" name="PlaceHolder 2"/>
+          <p:cNvPr id="40" name="PlaceHolder 2"/>
           <p:cNvSpPr>
             <a:spLocks noGrp="1"/>
           </p:cNvSpPr>
@@ -1060,7 +1060,7 @@
       </p:sp>
       <p:sp>
         <p:nvSpPr>
-          <p:cNvPr id="39" name="PlaceHolder 3"/>
+          <p:cNvPr id="41" name="PlaceHolder 3"/>
           <p:cNvSpPr>
             <a:spLocks noGrp="1"/>
           </p:cNvSpPr>
@@ -1098,7 +1098,7 @@
       </p:sp>
       <p:pic>
         <p:nvPicPr>
-          <p:cNvPr id="40" name="" descr=""/>
+          <p:cNvPr id="42" name="" descr=""/>
           <p:cNvPicPr/>
           <p:nvPr/>
         </p:nvPicPr>
@@ -1121,7 +1121,7 @@
       </p:pic>
       <p:pic>
         <p:nvPicPr>
-          <p:cNvPr id="41" name="" descr=""/>
+          <p:cNvPr id="43" name="" descr=""/>
           <p:cNvPicPr/>
           <p:nvPr/>
         </p:nvPicPr>
@@ -1166,7 +1166,7 @@
       </p:grpSpPr>
       <p:sp>
         <p:nvSpPr>
-          <p:cNvPr id="8" name="PlaceHolder 1"/>
+          <p:cNvPr id="10" name="PlaceHolder 1"/>
           <p:cNvSpPr>
             <a:spLocks noGrp="1"/>
           </p:cNvSpPr>
@@ -1203,7 +1203,7 @@
       </p:sp>
       <p:sp>
         <p:nvSpPr>
-          <p:cNvPr id="9" name="PlaceHolder 2"/>
+          <p:cNvPr id="11" name="PlaceHolder 2"/>
           <p:cNvSpPr>
             <a:spLocks noGrp="1"/>
           </p:cNvSpPr>
@@ -1262,7 +1262,7 @@
       </p:grpSpPr>
       <p:sp>
         <p:nvSpPr>
-          <p:cNvPr id="10" name="PlaceHolder 1"/>
+          <p:cNvPr id="12" name="PlaceHolder 1"/>
           <p:cNvSpPr>
             <a:spLocks noGrp="1"/>
           </p:cNvSpPr>
@@ -1299,7 +1299,7 @@
       </p:sp>
       <p:sp>
         <p:nvSpPr>
-          <p:cNvPr id="11" name="PlaceHolder 2"/>
+          <p:cNvPr id="13" name="PlaceHolder 2"/>
           <p:cNvSpPr>
             <a:spLocks noGrp="1"/>
           </p:cNvSpPr>
@@ -1359,7 +1359,7 @@
       </p:grpSpPr>
       <p:sp>
         <p:nvSpPr>
-          <p:cNvPr id="12" name="PlaceHolder 1"/>
+          <p:cNvPr id="14" name="PlaceHolder 1"/>
           <p:cNvSpPr>
             <a:spLocks noGrp="1"/>
           </p:cNvSpPr>
@@ -1396,7 +1396,7 @@
       </p:sp>
       <p:sp>
         <p:nvSpPr>
-          <p:cNvPr id="13" name="PlaceHolder 2"/>
+          <p:cNvPr id="15" name="PlaceHolder 2"/>
           <p:cNvSpPr>
             <a:spLocks noGrp="1"/>
           </p:cNvSpPr>
@@ -1434,7 +1434,7 @@
       </p:sp>
       <p:sp>
         <p:nvSpPr>
-          <p:cNvPr id="14" name="PlaceHolder 3"/>
+          <p:cNvPr id="16" name="PlaceHolder 3"/>
           <p:cNvSpPr>
             <a:spLocks noGrp="1"/>
           </p:cNvSpPr>
@@ -1494,7 +1494,7 @@
       </p:grpSpPr>
       <p:sp>
         <p:nvSpPr>
-          <p:cNvPr id="15" name="PlaceHolder 1"/>
+          <p:cNvPr id="17" name="PlaceHolder 1"/>
           <p:cNvSpPr>
             <a:spLocks noGrp="1"/>
           </p:cNvSpPr>
@@ -1553,7 +1553,7 @@
       </p:grpSpPr>
       <p:sp>
         <p:nvSpPr>
-          <p:cNvPr id="16" name="PlaceHolder 1"/>
+          <p:cNvPr id="18" name="PlaceHolder 1"/>
           <p:cNvSpPr>
             <a:spLocks noGrp="1"/>
           </p:cNvSpPr>
@@ -1612,7 +1612,7 @@
       </p:grpSpPr>
       <p:sp>
         <p:nvSpPr>
-          <p:cNvPr id="17" name="PlaceHolder 1"/>
+          <p:cNvPr id="19" name="PlaceHolder 1"/>
           <p:cNvSpPr>
             <a:spLocks noGrp="1"/>
           </p:cNvSpPr>
@@ -1649,7 +1649,7 @@
       </p:sp>
       <p:sp>
         <p:nvSpPr>
-          <p:cNvPr id="18" name="PlaceHolder 2"/>
+          <p:cNvPr id="20" name="PlaceHolder 2"/>
           <p:cNvSpPr>
             <a:spLocks noGrp="1"/>
           </p:cNvSpPr>
@@ -1687,7 +1687,7 @@
       </p:sp>
       <p:sp>
         <p:nvSpPr>
-          <p:cNvPr id="19" name="PlaceHolder 3"/>
+          <p:cNvPr id="21" name="PlaceHolder 3"/>
           <p:cNvSpPr>
             <a:spLocks noGrp="1"/>
           </p:cNvSpPr>
@@ -1725,7 +1725,7 @@
       </p:sp>
       <p:sp>
         <p:nvSpPr>
-          <p:cNvPr id="20" name="PlaceHolder 4"/>
+          <p:cNvPr id="22" name="PlaceHolder 4"/>
           <p:cNvSpPr>
             <a:spLocks noGrp="1"/>
           </p:cNvSpPr>
@@ -1785,7 +1785,7 @@
       </p:grpSpPr>
       <p:sp>
         <p:nvSpPr>
-          <p:cNvPr id="21" name="PlaceHolder 1"/>
+          <p:cNvPr id="23" name="PlaceHolder 1"/>
           <p:cNvSpPr>
             <a:spLocks noGrp="1"/>
           </p:cNvSpPr>
@@ -1822,7 +1822,7 @@
       </p:sp>
       <p:sp>
         <p:nvSpPr>
-          <p:cNvPr id="22" name="PlaceHolder 2"/>
+          <p:cNvPr id="24" name="PlaceHolder 2"/>
           <p:cNvSpPr>
             <a:spLocks noGrp="1"/>
           </p:cNvSpPr>
@@ -1860,7 +1860,7 @@
       </p:sp>
       <p:sp>
         <p:nvSpPr>
-          <p:cNvPr id="23" name="PlaceHolder 3"/>
+          <p:cNvPr id="25" name="PlaceHolder 3"/>
           <p:cNvSpPr>
             <a:spLocks noGrp="1"/>
           </p:cNvSpPr>
@@ -1898,7 +1898,7 @@
       </p:sp>
       <p:sp>
         <p:nvSpPr>
-          <p:cNvPr id="24" name="PlaceHolder 4"/>
+          <p:cNvPr id="26" name="PlaceHolder 4"/>
           <p:cNvSpPr>
             <a:spLocks noGrp="1"/>
           </p:cNvSpPr>
@@ -1958,7 +1958,7 @@
       </p:grpSpPr>
       <p:sp>
         <p:nvSpPr>
-          <p:cNvPr id="25" name="PlaceHolder 1"/>
+          <p:cNvPr id="27" name="PlaceHolder 1"/>
           <p:cNvSpPr>
             <a:spLocks noGrp="1"/>
           </p:cNvSpPr>
@@ -1995,7 +1995,7 @@
       </p:sp>
       <p:sp>
         <p:nvSpPr>
-          <p:cNvPr id="26" name="PlaceHolder 2"/>
+          <p:cNvPr id="28" name="PlaceHolder 2"/>
           <p:cNvSpPr>
             <a:spLocks noGrp="1"/>
           </p:cNvSpPr>
@@ -2033,7 +2033,7 @@
       </p:sp>
       <p:sp>
         <p:nvSpPr>
-          <p:cNvPr id="27" name="PlaceHolder 3"/>
+          <p:cNvPr id="29" name="PlaceHolder 3"/>
           <p:cNvSpPr>
             <a:spLocks noGrp="1"/>
           </p:cNvSpPr>
@@ -2071,7 +2071,7 @@
       </p:sp>
       <p:sp>
         <p:nvSpPr>
-          <p:cNvPr id="28" name="PlaceHolder 4"/>
+          <p:cNvPr id="30" name="PlaceHolder 4"/>
           <p:cNvSpPr>
             <a:spLocks noGrp="1"/>
           </p:cNvSpPr>
@@ -2145,7 +2145,7 @@
         <p:spPr>
           <a:xfrm>
             <a:off x="-38160" y="-28440"/>
-            <a:ext cx="36650160" cy="4163400"/>
+            <a:ext cx="36649800" cy="4163040"/>
           </a:xfrm>
           <a:custGeom>
             <a:avLst/>
@@ -2226,7 +2226,7 @@
         <p:spPr>
           <a:xfrm>
             <a:off x="17525880" y="-28440"/>
-            <a:ext cx="19047960" cy="2550600"/>
+            <a:ext cx="19047600" cy="2550240"/>
           </a:xfrm>
           <a:custGeom>
             <a:avLst/>
@@ -2288,8 +2288,8 @@
         </p:nvSpPr>
         <p:spPr>
           <a:xfrm rot="21435600">
-            <a:off x="-73800" y="808920"/>
-            <a:ext cx="36650160" cy="2594880"/>
+            <a:off x="-73440" y="808560"/>
+            <a:ext cx="36649800" cy="2594520"/>
           </a:xfrm>
           <a:custGeom>
             <a:avLst/>
@@ -2342,8 +2342,8 @@
         </p:nvSpPr>
         <p:spPr>
           <a:xfrm rot="21435600">
-            <a:off x="-56160" y="1100880"/>
-            <a:ext cx="36700920" cy="2119320"/>
+            <a:off x="-55800" y="1100520"/>
+            <a:ext cx="36700560" cy="2118960"/>
           </a:xfrm>
           <a:custGeom>
             <a:avLst/>
@@ -2396,8 +2396,8 @@
         </p:nvSpPr>
         <p:spPr>
           <a:xfrm rot="10800000">
-            <a:off x="219832200" y="48254400"/>
-            <a:ext cx="36650160" cy="4163400"/>
+            <a:off x="256482360" y="52417800"/>
+            <a:ext cx="36649800" cy="4163040"/>
           </a:xfrm>
           <a:custGeom>
             <a:avLst/>
@@ -2477,8 +2477,8 @@
         </p:nvSpPr>
         <p:spPr>
           <a:xfrm rot="10800000">
-            <a:off x="114295320" y="40190400"/>
-            <a:ext cx="19047960" cy="2550600"/>
+            <a:off x="133343280" y="42741000"/>
+            <a:ext cx="19047600" cy="2550240"/>
           </a:xfrm>
           <a:custGeom>
             <a:avLst/>
@@ -2540,8 +2540,8 @@
         </p:nvSpPr>
         <p:spPr>
           <a:xfrm rot="21435600">
-            <a:off x="609480" y="24383520"/>
-            <a:ext cx="36650160" cy="2594880"/>
+            <a:off x="609480" y="24383160"/>
+            <a:ext cx="36649800" cy="2594520"/>
           </a:xfrm>
           <a:custGeom>
             <a:avLst/>
@@ -2594,8 +2594,8 @@
         </p:nvSpPr>
         <p:spPr>
           <a:xfrm rot="21435600">
-            <a:off x="627120" y="24675120"/>
-            <a:ext cx="36700920" cy="2119320"/>
+            <a:off x="627120" y="24674760"/>
+            <a:ext cx="36700560" cy="2118960"/>
           </a:xfrm>
           <a:custGeom>
             <a:avLst/>
@@ -2639,6 +2639,348 @@
           <a:effectRef idx="0"/>
           <a:fontRef idx="minor"/>
         </p:style>
+      </p:sp>
+      <p:sp>
+        <p:nvSpPr>
+          <p:cNvPr id="8" name="PlaceHolder 9"/>
+          <p:cNvSpPr>
+            <a:spLocks noGrp="1"/>
+          </p:cNvSpPr>
+          <p:nvPr>
+            <p:ph type="title"/>
+          </p:nvPr>
+        </p:nvSpPr>
+        <p:spPr>
+          <a:xfrm>
+            <a:off x="1828800" y="1094400"/>
+            <a:ext cx="32918040" cy="4580640"/>
+          </a:xfrm>
+          <a:prstGeom prst="rect">
+            <a:avLst/>
+          </a:prstGeom>
+        </p:spPr>
+        <p:txBody>
+          <a:bodyPr lIns="0" rIns="0" tIns="0" bIns="0" anchor="ctr"/>
+          <a:p>
+            <a:pPr algn="ctr"/>
+            <a:r>
+              <a:rPr b="0" lang="en-US" sz="4400" spc="-1" strike="noStrike">
+                <a:solidFill>
+                  <a:srgbClr val="000000"/>
+                </a:solidFill>
+                <a:uFill>
+                  <a:solidFill>
+                    <a:srgbClr val="ffffff"/>
+                  </a:solidFill>
+                </a:uFill>
+                <a:latin typeface="Arial"/>
+              </a:rPr>
+              <a:t>Click to edit the title text format</a:t>
+            </a:r>
+            <a:endParaRPr b="0" lang="en-US" sz="4400" spc="-1" strike="noStrike">
+              <a:solidFill>
+                <a:srgbClr val="000000"/>
+              </a:solidFill>
+              <a:uFill>
+                <a:solidFill>
+                  <a:srgbClr val="ffffff"/>
+                </a:solidFill>
+              </a:uFill>
+              <a:latin typeface="Arial"/>
+            </a:endParaRPr>
+          </a:p>
+        </p:txBody>
+      </p:sp>
+      <p:sp>
+        <p:nvSpPr>
+          <p:cNvPr id="9" name="PlaceHolder 10"/>
+          <p:cNvSpPr>
+            <a:spLocks noGrp="1"/>
+          </p:cNvSpPr>
+          <p:nvPr>
+            <p:ph type="body"/>
+          </p:nvPr>
+        </p:nvSpPr>
+        <p:spPr>
+          <a:xfrm>
+            <a:off x="1828800" y="6418800"/>
+            <a:ext cx="32918040" cy="15910200"/>
+          </a:xfrm>
+          <a:prstGeom prst="rect">
+            <a:avLst/>
+          </a:prstGeom>
+        </p:spPr>
+        <p:txBody>
+          <a:bodyPr lIns="0" rIns="0" tIns="0" bIns="0">
+            <a:normAutofit/>
+          </a:bodyPr>
+          <a:p>
+            <a:pPr marL="432000" indent="-324000">
+              <a:spcBef>
+                <a:spcPts val="1417"/>
+              </a:spcBef>
+              <a:buClr>
+                <a:srgbClr val="000000"/>
+              </a:buClr>
+              <a:buSzPct val="45000"/>
+              <a:buFont typeface="Wingdings" charset="2"/>
+              <a:buChar char=""/>
+            </a:pPr>
+            <a:r>
+              <a:rPr b="0" lang="en-US" sz="3200" spc="-1" strike="noStrike">
+                <a:solidFill>
+                  <a:srgbClr val="000000"/>
+                </a:solidFill>
+                <a:uFill>
+                  <a:solidFill>
+                    <a:srgbClr val="ffffff"/>
+                  </a:solidFill>
+                </a:uFill>
+                <a:latin typeface="Arial"/>
+              </a:rPr>
+              <a:t>Click to edit the outline text format</a:t>
+            </a:r>
+            <a:endParaRPr b="0" lang="en-US" sz="3200" spc="-1" strike="noStrike">
+              <a:solidFill>
+                <a:srgbClr val="000000"/>
+              </a:solidFill>
+              <a:uFill>
+                <a:solidFill>
+                  <a:srgbClr val="ffffff"/>
+                </a:solidFill>
+              </a:uFill>
+              <a:latin typeface="Arial"/>
+            </a:endParaRPr>
+          </a:p>
+          <a:p>
+            <a:pPr lvl="1" marL="864000" indent="-324000">
+              <a:spcBef>
+                <a:spcPts val="1134"/>
+              </a:spcBef>
+              <a:buClr>
+                <a:srgbClr val="000000"/>
+              </a:buClr>
+              <a:buSzPct val="75000"/>
+              <a:buFont typeface="Symbol" charset="2"/>
+              <a:buChar char=""/>
+            </a:pPr>
+            <a:r>
+              <a:rPr b="0" lang="en-US" sz="2800" spc="-1" strike="noStrike">
+                <a:solidFill>
+                  <a:srgbClr val="000000"/>
+                </a:solidFill>
+                <a:uFill>
+                  <a:solidFill>
+                    <a:srgbClr val="ffffff"/>
+                  </a:solidFill>
+                </a:uFill>
+                <a:latin typeface="Arial"/>
+              </a:rPr>
+              <a:t>Second Outline Level</a:t>
+            </a:r>
+            <a:endParaRPr b="0" lang="en-US" sz="2800" spc="-1" strike="noStrike">
+              <a:solidFill>
+                <a:srgbClr val="000000"/>
+              </a:solidFill>
+              <a:uFill>
+                <a:solidFill>
+                  <a:srgbClr val="ffffff"/>
+                </a:solidFill>
+              </a:uFill>
+              <a:latin typeface="Arial"/>
+            </a:endParaRPr>
+          </a:p>
+          <a:p>
+            <a:pPr lvl="2" marL="1296000" indent="-288000">
+              <a:spcBef>
+                <a:spcPts val="850"/>
+              </a:spcBef>
+              <a:buClr>
+                <a:srgbClr val="000000"/>
+              </a:buClr>
+              <a:buSzPct val="45000"/>
+              <a:buFont typeface="Wingdings" charset="2"/>
+              <a:buChar char=""/>
+            </a:pPr>
+            <a:r>
+              <a:rPr b="0" lang="en-US" sz="2400" spc="-1" strike="noStrike">
+                <a:solidFill>
+                  <a:srgbClr val="000000"/>
+                </a:solidFill>
+                <a:uFill>
+                  <a:solidFill>
+                    <a:srgbClr val="ffffff"/>
+                  </a:solidFill>
+                </a:uFill>
+                <a:latin typeface="Arial"/>
+              </a:rPr>
+              <a:t>Third Outline Level</a:t>
+            </a:r>
+            <a:endParaRPr b="0" lang="en-US" sz="2400" spc="-1" strike="noStrike">
+              <a:solidFill>
+                <a:srgbClr val="000000"/>
+              </a:solidFill>
+              <a:uFill>
+                <a:solidFill>
+                  <a:srgbClr val="ffffff"/>
+                </a:solidFill>
+              </a:uFill>
+              <a:latin typeface="Arial"/>
+            </a:endParaRPr>
+          </a:p>
+          <a:p>
+            <a:pPr lvl="3" marL="1728000" indent="-216000">
+              <a:spcBef>
+                <a:spcPts val="567"/>
+              </a:spcBef>
+              <a:buClr>
+                <a:srgbClr val="000000"/>
+              </a:buClr>
+              <a:buSzPct val="75000"/>
+              <a:buFont typeface="Symbol" charset="2"/>
+              <a:buChar char=""/>
+            </a:pPr>
+            <a:r>
+              <a:rPr b="0" lang="en-US" sz="2000" spc="-1" strike="noStrike">
+                <a:solidFill>
+                  <a:srgbClr val="000000"/>
+                </a:solidFill>
+                <a:uFill>
+                  <a:solidFill>
+                    <a:srgbClr val="ffffff"/>
+                  </a:solidFill>
+                </a:uFill>
+                <a:latin typeface="Arial"/>
+              </a:rPr>
+              <a:t>Fourth Outline Level</a:t>
+            </a:r>
+            <a:endParaRPr b="0" lang="en-US" sz="2000" spc="-1" strike="noStrike">
+              <a:solidFill>
+                <a:srgbClr val="000000"/>
+              </a:solidFill>
+              <a:uFill>
+                <a:solidFill>
+                  <a:srgbClr val="ffffff"/>
+                </a:solidFill>
+              </a:uFill>
+              <a:latin typeface="Arial"/>
+            </a:endParaRPr>
+          </a:p>
+          <a:p>
+            <a:pPr lvl="4" marL="2160000" indent="-216000">
+              <a:spcBef>
+                <a:spcPts val="283"/>
+              </a:spcBef>
+              <a:buClr>
+                <a:srgbClr val="000000"/>
+              </a:buClr>
+              <a:buSzPct val="45000"/>
+              <a:buFont typeface="Wingdings" charset="2"/>
+              <a:buChar char=""/>
+            </a:pPr>
+            <a:r>
+              <a:rPr b="0" lang="en-US" sz="2000" spc="-1" strike="noStrike">
+                <a:solidFill>
+                  <a:srgbClr val="000000"/>
+                </a:solidFill>
+                <a:uFill>
+                  <a:solidFill>
+                    <a:srgbClr val="ffffff"/>
+                  </a:solidFill>
+                </a:uFill>
+                <a:latin typeface="Arial"/>
+              </a:rPr>
+              <a:t>Fifth Outline Level</a:t>
+            </a:r>
+            <a:endParaRPr b="0" lang="en-US" sz="2000" spc="-1" strike="noStrike">
+              <a:solidFill>
+                <a:srgbClr val="000000"/>
+              </a:solidFill>
+              <a:uFill>
+                <a:solidFill>
+                  <a:srgbClr val="ffffff"/>
+                </a:solidFill>
+              </a:uFill>
+              <a:latin typeface="Arial"/>
+            </a:endParaRPr>
+          </a:p>
+          <a:p>
+            <a:pPr lvl="5" marL="2592000" indent="-216000">
+              <a:spcBef>
+                <a:spcPts val="283"/>
+              </a:spcBef>
+              <a:buClr>
+                <a:srgbClr val="000000"/>
+              </a:buClr>
+              <a:buSzPct val="45000"/>
+              <a:buFont typeface="Wingdings" charset="2"/>
+              <a:buChar char=""/>
+            </a:pPr>
+            <a:r>
+              <a:rPr b="0" lang="en-US" sz="2000" spc="-1" strike="noStrike">
+                <a:solidFill>
+                  <a:srgbClr val="000000"/>
+                </a:solidFill>
+                <a:uFill>
+                  <a:solidFill>
+                    <a:srgbClr val="ffffff"/>
+                  </a:solidFill>
+                </a:uFill>
+                <a:latin typeface="Arial"/>
+              </a:rPr>
+              <a:t>Sixth Outline Level</a:t>
+            </a:r>
+            <a:endParaRPr b="0" lang="en-US" sz="2000" spc="-1" strike="noStrike">
+              <a:solidFill>
+                <a:srgbClr val="000000"/>
+              </a:solidFill>
+              <a:uFill>
+                <a:solidFill>
+                  <a:srgbClr val="ffffff"/>
+                </a:solidFill>
+              </a:uFill>
+              <a:latin typeface="Arial"/>
+            </a:endParaRPr>
+          </a:p>
+          <a:p>
+            <a:pPr lvl="6" marL="3024000" indent="-216000">
+              <a:spcBef>
+                <a:spcPts val="283"/>
+              </a:spcBef>
+              <a:buClr>
+                <a:srgbClr val="000000"/>
+              </a:buClr>
+              <a:buSzPct val="45000"/>
+              <a:buFont typeface="Wingdings" charset="2"/>
+              <a:buChar char=""/>
+            </a:pPr>
+            <a:r>
+              <a:rPr b="0" lang="en-US" sz="2000" spc="-1" strike="noStrike">
+                <a:solidFill>
+                  <a:srgbClr val="000000"/>
+                </a:solidFill>
+                <a:uFill>
+                  <a:solidFill>
+                    <a:srgbClr val="ffffff"/>
+                  </a:solidFill>
+                </a:uFill>
+                <a:latin typeface="Arial"/>
+              </a:rPr>
+              <a:t>Seventh Outline Level</a:t>
+            </a:r>
+            <a:endParaRPr b="0" lang="en-US" sz="2000" spc="-1" strike="noStrike">
+              <a:solidFill>
+                <a:srgbClr val="000000"/>
+              </a:solidFill>
+              <a:uFill>
+                <a:solidFill>
+                  <a:srgbClr val="ffffff"/>
+                </a:solidFill>
+              </a:uFill>
+              <a:latin typeface="Arial"/>
+            </a:endParaRPr>
+          </a:p>
+        </p:txBody>
       </p:sp>
     </p:spTree>
   </p:cSld>
@@ -2679,14 +3021,14 @@
       </p:grpSpPr>
       <p:sp>
         <p:nvSpPr>
-          <p:cNvPr id="47" name="CustomShape 1"/>
+          <p:cNvPr id="49" name="CustomShape 1"/>
           <p:cNvSpPr/>
           <p:nvPr/>
         </p:nvSpPr>
         <p:spPr>
           <a:xfrm>
             <a:off x="1371600" y="19841040"/>
-            <a:ext cx="3717720" cy="4755240"/>
+            <a:ext cx="3717360" cy="4754880"/>
           </a:xfrm>
           <a:prstGeom prst="rect">
             <a:avLst/>
@@ -2709,14 +3051,14 @@
       </p:sp>
       <p:sp>
         <p:nvSpPr>
-          <p:cNvPr id="48" name="CustomShape 2"/>
+          <p:cNvPr id="50" name="CustomShape 2"/>
           <p:cNvSpPr/>
           <p:nvPr/>
         </p:nvSpPr>
         <p:spPr>
           <a:xfrm>
             <a:off x="731520" y="227880"/>
-            <a:ext cx="27521640" cy="4510440"/>
+            <a:ext cx="27521280" cy="4510080"/>
           </a:xfrm>
           <a:prstGeom prst="rect">
             <a:avLst/>
@@ -2774,14 +3116,14 @@
       </p:sp>
       <p:sp>
         <p:nvSpPr>
-          <p:cNvPr id="49" name="CustomShape 3"/>
+          <p:cNvPr id="51" name="CustomShape 3"/>
           <p:cNvSpPr/>
           <p:nvPr/>
         </p:nvSpPr>
         <p:spPr>
           <a:xfrm>
             <a:off x="0" y="3720960"/>
-            <a:ext cx="36573840" cy="912240"/>
+            <a:ext cx="36573480" cy="911880"/>
           </a:xfrm>
           <a:prstGeom prst="rect">
             <a:avLst/>
@@ -2802,14 +3144,14 @@
       </p:sp>
       <p:sp>
         <p:nvSpPr>
-          <p:cNvPr id="50" name="CustomShape 4"/>
+          <p:cNvPr id="52" name="CustomShape 4"/>
           <p:cNvSpPr/>
           <p:nvPr/>
         </p:nvSpPr>
         <p:spPr>
           <a:xfrm>
             <a:off x="609480" y="3720960"/>
-            <a:ext cx="34745040" cy="912240"/>
+            <a:ext cx="34744680" cy="911880"/>
           </a:xfrm>
           <a:prstGeom prst="rect">
             <a:avLst/>
@@ -2830,7 +3172,7 @@
         <p:txBody>
           <a:bodyPr lIns="90000" rIns="90000" tIns="45000" bIns="45000"/>
           <a:p>
-            <a:pPr marL="1410840" indent="-1408680">
+            <a:pPr marL="1410840" indent="-1408320">
               <a:lnSpc>
                 <a:spcPct val="100000"/>
               </a:lnSpc>
@@ -3454,14 +3796,14 @@
       </p:sp>
       <p:sp>
         <p:nvSpPr>
-          <p:cNvPr id="51" name="CustomShape 5"/>
+          <p:cNvPr id="53" name="CustomShape 5"/>
           <p:cNvSpPr/>
           <p:nvPr/>
         </p:nvSpPr>
         <p:spPr>
           <a:xfrm>
             <a:off x="12029760" y="7772400"/>
-            <a:ext cx="8176680" cy="579600"/>
+            <a:ext cx="8176320" cy="579240"/>
           </a:xfrm>
           <a:prstGeom prst="rect">
             <a:avLst/>
@@ -3516,14 +3858,14 @@
       </p:sp>
       <p:sp>
         <p:nvSpPr>
-          <p:cNvPr id="52" name="CustomShape 6"/>
+          <p:cNvPr id="54" name="CustomShape 6"/>
           <p:cNvSpPr/>
           <p:nvPr/>
         </p:nvSpPr>
         <p:spPr>
           <a:xfrm>
             <a:off x="26791920" y="11978640"/>
-            <a:ext cx="12253320" cy="1082160"/>
+            <a:ext cx="12252960" cy="1081800"/>
           </a:xfrm>
           <a:prstGeom prst="rect">
             <a:avLst/>
@@ -3542,7 +3884,7 @@
         <p:txBody>
           <a:bodyPr lIns="78480" rIns="78480" tIns="39240" bIns="39240"/>
           <a:p>
-            <a:pPr marL="725040" indent="-722880">
+            <a:pPr marL="725040" indent="-722520">
               <a:lnSpc>
                 <a:spcPct val="100000"/>
               </a:lnSpc>
@@ -3578,7 +3920,7 @@
             </a:endParaRPr>
           </a:p>
           <a:p>
-            <a:pPr marL="725040" indent="-722880">
+            <a:pPr marL="725040" indent="-722520">
               <a:lnSpc>
                 <a:spcPct val="100000"/>
               </a:lnSpc>
@@ -3620,14 +3962,14 @@
       </p:sp>
       <p:sp>
         <p:nvSpPr>
-          <p:cNvPr id="53" name="CustomShape 7"/>
+          <p:cNvPr id="55" name="CustomShape 7"/>
           <p:cNvSpPr/>
           <p:nvPr/>
         </p:nvSpPr>
         <p:spPr>
           <a:xfrm>
             <a:off x="26454600" y="14219280"/>
-            <a:ext cx="9113760" cy="4158360"/>
+            <a:ext cx="9113400" cy="4158000"/>
           </a:xfrm>
           <a:prstGeom prst="rect">
             <a:avLst/>
@@ -3646,7 +3988,7 @@
         <p:txBody>
           <a:bodyPr lIns="376200" rIns="376200" tIns="187920" bIns="187920"/>
           <a:p>
-            <a:pPr marL="1128600" indent="-1126440">
+            <a:pPr marL="1128600" indent="-1126080">
               <a:lnSpc>
                 <a:spcPct val="100000"/>
               </a:lnSpc>
@@ -3682,7 +4024,7 @@
             </a:endParaRPr>
           </a:p>
           <a:p>
-            <a:pPr marL="783720" indent="-938160">
+            <a:pPr marL="783720" indent="-937800">
               <a:lnSpc>
                 <a:spcPct val="100000"/>
               </a:lnSpc>
@@ -3730,7 +4072,7 @@
             </a:endParaRPr>
           </a:p>
           <a:p>
-            <a:pPr marL="783720" indent="-938160">
+            <a:pPr marL="783720" indent="-937800">
               <a:lnSpc>
                 <a:spcPct val="100000"/>
               </a:lnSpc>
@@ -3751,7 +4093,7 @@
             </a:endParaRPr>
           </a:p>
           <a:p>
-            <a:pPr marL="1128600" indent="-1126440">
+            <a:pPr marL="1128600" indent="-1126080">
               <a:lnSpc>
                 <a:spcPct val="100000"/>
               </a:lnSpc>
@@ -3772,7 +4114,7 @@
             </a:endParaRPr>
           </a:p>
           <a:p>
-            <a:pPr marL="1128600" indent="-1126440">
+            <a:pPr marL="1128600" indent="-1126080">
               <a:lnSpc>
                 <a:spcPct val="100000"/>
               </a:lnSpc>
@@ -3796,14 +4138,14 @@
       </p:sp>
       <p:sp>
         <p:nvSpPr>
-          <p:cNvPr id="54" name="CustomShape 8"/>
+          <p:cNvPr id="56" name="CustomShape 8"/>
           <p:cNvSpPr/>
           <p:nvPr/>
         </p:nvSpPr>
         <p:spPr>
           <a:xfrm>
             <a:off x="0" y="259920"/>
-            <a:ext cx="36573840" cy="701640"/>
+            <a:ext cx="36573480" cy="701280"/>
           </a:xfrm>
           <a:prstGeom prst="rect">
             <a:avLst/>
@@ -3858,14 +4200,14 @@
       </p:sp>
       <p:sp>
         <p:nvSpPr>
-          <p:cNvPr id="55" name="CustomShape 9"/>
+          <p:cNvPr id="57" name="CustomShape 9"/>
           <p:cNvSpPr/>
           <p:nvPr/>
         </p:nvSpPr>
         <p:spPr>
           <a:xfrm>
             <a:off x="11124000" y="26301960"/>
-            <a:ext cx="14121720" cy="700920"/>
+            <a:ext cx="14121360" cy="700560"/>
           </a:xfrm>
           <a:prstGeom prst="rect">
             <a:avLst/>
@@ -3920,14 +4262,14 @@
       </p:sp>
       <p:sp>
         <p:nvSpPr>
-          <p:cNvPr id="56" name="CustomShape 10"/>
+          <p:cNvPr id="58" name="CustomShape 10"/>
           <p:cNvSpPr/>
           <p:nvPr/>
         </p:nvSpPr>
         <p:spPr>
           <a:xfrm>
             <a:off x="879120" y="26334720"/>
-            <a:ext cx="10640520" cy="701640"/>
+            <a:ext cx="10640160" cy="701280"/>
           </a:xfrm>
           <a:prstGeom prst="rect">
             <a:avLst/>
@@ -3985,7 +4327,7 @@
       </p:sp>
       <p:pic>
         <p:nvPicPr>
-          <p:cNvPr id="57" name="Picture 2" descr=""/>
+          <p:cNvPr id="59" name="Picture 2" descr=""/>
           <p:cNvPicPr/>
           <p:nvPr/>
         </p:nvPicPr>
@@ -3996,7 +4338,7 @@
         <p:spPr>
           <a:xfrm>
             <a:off x="29019600" y="762120"/>
-            <a:ext cx="6539760" cy="2100960"/>
+            <a:ext cx="6539400" cy="2100600"/>
           </a:xfrm>
           <a:prstGeom prst="rect">
             <a:avLst/>
@@ -4008,14 +4350,14 @@
       </p:pic>
       <p:sp>
         <p:nvSpPr>
-          <p:cNvPr id="58" name="CustomShape 11"/>
+          <p:cNvPr id="60" name="CustomShape 11"/>
           <p:cNvSpPr/>
           <p:nvPr/>
         </p:nvSpPr>
         <p:spPr>
           <a:xfrm>
             <a:off x="26609040" y="19019520"/>
-            <a:ext cx="8940240" cy="3616200"/>
+            <a:ext cx="8939880" cy="3615840"/>
           </a:xfrm>
           <a:prstGeom prst="rect">
             <a:avLst/>
@@ -4034,7 +4376,7 @@
         <p:txBody>
           <a:bodyPr lIns="90000" rIns="90000" tIns="45000" bIns="45000"/>
           <a:p>
-            <a:pPr marL="783720" indent="-938160">
+            <a:pPr marL="783720" indent="-937800">
               <a:lnSpc>
                 <a:spcPct val="100000"/>
               </a:lnSpc>
@@ -4067,7 +4409,7 @@
             </a:endParaRPr>
           </a:p>
           <a:p>
-            <a:pPr marL="783720" indent="-938160">
+            <a:pPr marL="783720" indent="-937800">
               <a:lnSpc>
                 <a:spcPct val="100000"/>
               </a:lnSpc>
@@ -4115,7 +4457,7 @@
             </a:endParaRPr>
           </a:p>
           <a:p>
-            <a:pPr marL="783720" indent="-938160">
+            <a:pPr marL="783720" indent="-937800">
               <a:lnSpc>
                 <a:spcPct val="100000"/>
               </a:lnSpc>
@@ -4148,7 +4490,7 @@
             </a:endParaRPr>
           </a:p>
           <a:p>
-            <a:pPr marL="783720" indent="-938160">
+            <a:pPr marL="783720" indent="-937800">
               <a:lnSpc>
                 <a:spcPct val="100000"/>
               </a:lnSpc>
@@ -4169,7 +4511,7 @@
             </a:endParaRPr>
           </a:p>
           <a:p>
-            <a:pPr marL="1128600" indent="-1126440">
+            <a:pPr marL="1128600" indent="-1126080">
               <a:lnSpc>
                 <a:spcPct val="100000"/>
               </a:lnSpc>
@@ -4190,7 +4532,7 @@
             </a:endParaRPr>
           </a:p>
           <a:p>
-            <a:pPr marL="1128600" indent="-1126440">
+            <a:pPr marL="1128600" indent="-1126080">
               <a:lnSpc>
                 <a:spcPct val="100000"/>
               </a:lnSpc>
@@ -4214,7 +4556,7 @@
       </p:sp>
       <p:pic>
         <p:nvPicPr>
-          <p:cNvPr id="59" name="" descr=""/>
+          <p:cNvPr id="61" name="" descr=""/>
           <p:cNvPicPr/>
           <p:nvPr/>
         </p:nvPicPr>
@@ -4225,7 +4567,7 @@
         <p:spPr>
           <a:xfrm>
             <a:off x="6035040" y="19914840"/>
-            <a:ext cx="4387320" cy="4590000"/>
+            <a:ext cx="4386960" cy="4589640"/>
           </a:xfrm>
           <a:prstGeom prst="rect">
             <a:avLst/>
@@ -4237,14 +4579,14 @@
       </p:pic>
       <p:sp>
         <p:nvSpPr>
-          <p:cNvPr id="60" name="CustomShape 12"/>
+          <p:cNvPr id="62" name="CustomShape 12"/>
           <p:cNvSpPr/>
           <p:nvPr/>
         </p:nvSpPr>
         <p:spPr>
           <a:xfrm>
             <a:off x="11978640" y="5303520"/>
-            <a:ext cx="12983400" cy="3290760"/>
+            <a:ext cx="12983040" cy="3290400"/>
           </a:xfrm>
           <a:prstGeom prst="rect">
             <a:avLst/>
@@ -4263,7 +4605,7 @@
         <p:txBody>
           <a:bodyPr lIns="90000" rIns="90000" tIns="45000" bIns="45000"/>
           <a:p>
-            <a:pPr marL="725040" indent="-722880">
+            <a:pPr marL="725040" indent="-722520">
               <a:lnSpc>
                 <a:spcPct val="100000"/>
               </a:lnSpc>
@@ -4299,7 +4641,7 @@
             </a:endParaRPr>
           </a:p>
           <a:p>
-            <a:pPr marL="725040" indent="-722880">
+            <a:pPr marL="725040" indent="-722520">
               <a:lnSpc>
                 <a:spcPct val="100000"/>
               </a:lnSpc>
@@ -4338,7 +4680,7 @@
             </a:endParaRPr>
           </a:p>
           <a:p>
-            <a:pPr marL="725040" indent="-722880">
+            <a:pPr marL="725040" indent="-722520">
               <a:lnSpc>
                 <a:spcPct val="100000"/>
               </a:lnSpc>
@@ -4380,14 +4722,14 @@
       </p:sp>
       <p:sp>
         <p:nvSpPr>
-          <p:cNvPr id="61" name="CustomShape 13"/>
+          <p:cNvPr id="63" name="CustomShape 13"/>
           <p:cNvSpPr/>
           <p:nvPr/>
         </p:nvSpPr>
         <p:spPr>
           <a:xfrm>
             <a:off x="26243280" y="22219920"/>
-            <a:ext cx="10330920" cy="3655800"/>
+            <a:ext cx="10330560" cy="3655440"/>
           </a:xfrm>
           <a:prstGeom prst="rect">
             <a:avLst/>
@@ -4553,14 +4895,14 @@
       </p:sp>
       <p:sp>
         <p:nvSpPr>
-          <p:cNvPr id="62" name="CustomShape 14"/>
+          <p:cNvPr id="64" name="CustomShape 14"/>
           <p:cNvSpPr/>
           <p:nvPr/>
         </p:nvSpPr>
         <p:spPr>
           <a:xfrm>
             <a:off x="12128400" y="20277360"/>
-            <a:ext cx="8777160" cy="557280"/>
+            <a:ext cx="8776800" cy="556920"/>
           </a:xfrm>
           <a:prstGeom prst="rect">
             <a:avLst/>
@@ -4610,14 +4952,14 @@
       </p:sp>
       <p:sp>
         <p:nvSpPr>
-          <p:cNvPr id="63" name="CustomShape 15"/>
+          <p:cNvPr id="65" name="CustomShape 15"/>
           <p:cNvSpPr/>
           <p:nvPr/>
         </p:nvSpPr>
         <p:spPr>
           <a:xfrm>
             <a:off x="5914800" y="24648480"/>
-            <a:ext cx="5668200" cy="557280"/>
+            <a:ext cx="5667840" cy="556920"/>
           </a:xfrm>
           <a:prstGeom prst="rect">
             <a:avLst/>
@@ -4669,14 +5011,14 @@
         <mc:Choice xmlns:a14="http://schemas.microsoft.com/office/drawing/2010/main" Requires="a14">
           <p:sp>
             <p:nvSpPr>
-              <p:cNvPr id="64" name="Formula 16"/>
+              <p:cNvPr id="66" name="Formula 16"/>
               <p:cNvSpPr txBox="1"/>
               <p:nvPr/>
             </p:nvSpPr>
             <p:spPr>
               <a:xfrm>
                 <a:off x="3017520" y="16573680"/>
-                <a:ext cx="5045760" cy="890640"/>
+                <a:ext cx="5045400" cy="890280"/>
               </a:xfrm>
               <a:prstGeom prst="rect">
                 <a:avLst/>
@@ -4785,14 +5127,14 @@
       </mc:AlternateContent>
       <p:sp>
         <p:nvSpPr>
-          <p:cNvPr id="65" name="CustomShape 17"/>
+          <p:cNvPr id="67" name="CustomShape 17"/>
           <p:cNvSpPr/>
           <p:nvPr/>
         </p:nvSpPr>
         <p:spPr>
           <a:xfrm>
             <a:off x="1604160" y="20211120"/>
-            <a:ext cx="3473640" cy="557280"/>
+            <a:ext cx="3473280" cy="556920"/>
           </a:xfrm>
           <a:prstGeom prst="rect">
             <a:avLst/>
@@ -4844,14 +5186,14 @@
         <mc:Choice xmlns:a14="http://schemas.microsoft.com/office/drawing/2010/main" Requires="a14">
           <p:sp>
             <p:nvSpPr>
-              <p:cNvPr id="66" name="Formula 18"/>
+              <p:cNvPr id="68" name="Formula 18"/>
               <p:cNvSpPr txBox="1"/>
               <p:nvPr/>
             </p:nvSpPr>
             <p:spPr>
               <a:xfrm>
                 <a:off x="8841600" y="9907200"/>
-                <a:ext cx="1263600" cy="416880"/>
+                <a:ext cx="1263240" cy="416520"/>
               </a:xfrm>
               <a:prstGeom prst="rect">
                 <a:avLst/>
@@ -4881,14 +5223,14 @@
       </mc:AlternateContent>
       <p:sp>
         <p:nvSpPr>
-          <p:cNvPr id="67" name="CustomShape 19"/>
+          <p:cNvPr id="69" name="CustomShape 19"/>
           <p:cNvSpPr/>
           <p:nvPr/>
         </p:nvSpPr>
         <p:spPr>
           <a:xfrm>
             <a:off x="1280160" y="5333400"/>
-            <a:ext cx="9508680" cy="16823880"/>
+            <a:ext cx="9508320" cy="16823520"/>
           </a:xfrm>
           <a:prstGeom prst="rect">
             <a:avLst/>
@@ -4963,7 +5305,7 @@
             </a:endParaRPr>
           </a:p>
           <a:p>
-            <a:pPr marL="216000" indent="-214920">
+            <a:pPr marL="216000" indent="-214560">
               <a:lnSpc>
                 <a:spcPct val="100000"/>
               </a:lnSpc>
@@ -5002,7 +5344,7 @@
             </a:endParaRPr>
           </a:p>
           <a:p>
-            <a:pPr marL="216000" indent="-214920">
+            <a:pPr marL="216000" indent="-214560">
               <a:lnSpc>
                 <a:spcPct val="100000"/>
               </a:lnSpc>
@@ -5242,7 +5584,7 @@
                 <a:latin typeface="Arial"/>
                 <a:ea typeface="DejaVu Sans"/>
               </a:rPr>
-              <a:t>The locally competitive algorithm (LCA) described in (1) limits the number of feature vectors in a sparse reconstruction of its input. PetaVision (2) implements a modified version of this algorithm that works by minimizing the energy function:</a:t>
+              <a:t>The locally competitive algorithm (LCA) described in (1) limits the number of feature vectors in a sparse reconstruction. PetaVision (2) implements a modified version of this algorithm that works by minimizing the energy function:</a:t>
             </a:r>
             <a:endParaRPr b="0" lang="en-US" sz="3300" spc="-1" strike="noStrike">
               <a:solidFill>
@@ -5509,7 +5851,7 @@
       </p:sp>
       <p:pic>
         <p:nvPicPr>
-          <p:cNvPr id="68" name="" descr=""/>
+          <p:cNvPr id="70" name="" descr=""/>
           <p:cNvPicPr/>
           <p:nvPr/>
         </p:nvPicPr>
@@ -5520,7 +5862,7 @@
         <p:spPr>
           <a:xfrm>
             <a:off x="18928080" y="9135720"/>
-            <a:ext cx="1833480" cy="2188800"/>
+            <a:ext cx="1833120" cy="2188440"/>
           </a:xfrm>
           <a:prstGeom prst="rect">
             <a:avLst/>
@@ -5532,7 +5874,7 @@
       </p:pic>
       <p:pic>
         <p:nvPicPr>
-          <p:cNvPr id="69" name="" descr=""/>
+          <p:cNvPr id="71" name="" descr=""/>
           <p:cNvPicPr/>
           <p:nvPr/>
         </p:nvPicPr>
@@ -5543,7 +5885,7 @@
         <p:spPr>
           <a:xfrm>
             <a:off x="21015000" y="9130320"/>
-            <a:ext cx="1828080" cy="2188440"/>
+            <a:ext cx="1827720" cy="2188080"/>
           </a:xfrm>
           <a:prstGeom prst="rect">
             <a:avLst/>
@@ -5555,7 +5897,7 @@
       </p:pic>
       <p:pic>
         <p:nvPicPr>
-          <p:cNvPr id="70" name="" descr=""/>
+          <p:cNvPr id="72" name="" descr=""/>
           <p:cNvPicPr/>
           <p:nvPr/>
         </p:nvPicPr>
@@ -5566,7 +5908,7 @@
         <p:spPr>
           <a:xfrm>
             <a:off x="23088600" y="9130320"/>
-            <a:ext cx="1802160" cy="2224440"/>
+            <a:ext cx="1801800" cy="2224080"/>
           </a:xfrm>
           <a:prstGeom prst="rect">
             <a:avLst/>
@@ -5578,14 +5920,14 @@
       </p:pic>
       <p:sp>
         <p:nvSpPr>
-          <p:cNvPr id="71" name="CustomShape 20"/>
+          <p:cNvPr id="73" name="CustomShape 20"/>
           <p:cNvSpPr/>
           <p:nvPr/>
         </p:nvSpPr>
         <p:spPr>
           <a:xfrm>
             <a:off x="12043080" y="8461440"/>
-            <a:ext cx="12395880" cy="557640"/>
+            <a:ext cx="12395520" cy="557280"/>
           </a:xfrm>
           <a:prstGeom prst="rect">
             <a:avLst/>
@@ -5617,7 +5959,7 @@
                 <a:latin typeface="Arial"/>
                 <a:ea typeface="DejaVu Sans"/>
               </a:rPr>
-              <a:t>Experiment 1: Downwards motion at 8 pixels/s with 2 layers</a:t>
+              <a:t>Experiment: Downwards motion at 8 pixels/s with 2 layers</a:t>
             </a:r>
             <a:endParaRPr b="0" lang="en-US" sz="3300" spc="-1" strike="noStrike">
               <a:solidFill>
@@ -5635,19 +5977,19 @@
       </p:sp>
       <p:pic>
         <p:nvPicPr>
-          <p:cNvPr id="72" name="" descr=""/>
+          <p:cNvPr id="74" name="" descr=""/>
           <p:cNvPicPr/>
           <p:nvPr/>
         </p:nvPicPr>
         <p:blipFill>
           <a:blip r:embed="rId6"/>
-          <a:srcRect l="0" t="0" r="0" b="49775"/>
+          <a:srcRect l="0" t="0" r="0" b="49767"/>
           <a:stretch/>
         </p:blipFill>
         <p:spPr>
           <a:xfrm>
             <a:off x="12124800" y="9153000"/>
-            <a:ext cx="5816520" cy="2919600"/>
+            <a:ext cx="5816160" cy="2919240"/>
           </a:xfrm>
           <a:prstGeom prst="rect">
             <a:avLst/>
@@ -5659,14 +6001,14 @@
       </p:pic>
       <p:sp>
         <p:nvSpPr>
-          <p:cNvPr id="73" name="CustomShape 21"/>
+          <p:cNvPr id="75" name="CustomShape 21"/>
           <p:cNvSpPr/>
           <p:nvPr/>
         </p:nvSpPr>
         <p:spPr>
           <a:xfrm>
             <a:off x="12161520" y="12011040"/>
-            <a:ext cx="5943240" cy="557640"/>
+            <a:ext cx="5942880" cy="557280"/>
           </a:xfrm>
           <a:prstGeom prst="rect">
             <a:avLst/>
@@ -5776,14 +6118,14 @@
       </p:sp>
       <p:sp>
         <p:nvSpPr>
-          <p:cNvPr id="74" name="CustomShape 22"/>
+          <p:cNvPr id="76" name="CustomShape 22"/>
           <p:cNvSpPr/>
           <p:nvPr/>
         </p:nvSpPr>
         <p:spPr>
           <a:xfrm>
             <a:off x="18928440" y="11635200"/>
-            <a:ext cx="5851440" cy="1025640"/>
+            <a:ext cx="5851080" cy="1025280"/>
           </a:xfrm>
           <a:prstGeom prst="rect">
             <a:avLst/>
@@ -5833,14 +6175,14 @@
       </p:sp>
       <p:sp>
         <p:nvSpPr>
-          <p:cNvPr id="75" name="CustomShape 23"/>
+          <p:cNvPr id="77" name="CustomShape 23"/>
           <p:cNvSpPr/>
           <p:nvPr/>
         </p:nvSpPr>
         <p:spPr>
           <a:xfrm>
             <a:off x="12161520" y="12980520"/>
-            <a:ext cx="12252600" cy="558000"/>
+            <a:ext cx="12252240" cy="557640"/>
           </a:xfrm>
           <a:prstGeom prst="rect">
             <a:avLst/>
@@ -5870,8 +6212,9 @@
                   </a:solidFill>
                 </a:uFill>
                 <a:latin typeface="Arial"/>
-              </a:rPr>
-              <a:t>Experiment 2: Variable direction and speed with 1 layer </a:t>
+                <a:ea typeface="DejaVu Sans"/>
+              </a:rPr>
+              <a:t>Experiment: Variable direction and speed with 1 layer </a:t>
             </a:r>
             <a:endParaRPr b="0" lang="en-US" sz="3300" spc="-1" strike="noStrike">
               <a:solidFill>
